--- a/plots/Fig3 conditioning.pptx
+++ b/plots/Fig3 conditioning.pptx
@@ -197,7 +197,7 @@
           <a:p>
             <a:fld id="{4F97FC17-05F1-5941-99BF-2CFB8DD61DE7}" type="datetimeFigureOut">
               <a:rPr lang="en-US" smtClean="0"/>
-              <a:t>1/15/24</a:t>
+              <a:t>11/6/24</a:t>
             </a:fld>
             <a:endParaRPr lang="en-US"/>
           </a:p>
@@ -685,7 +685,7 @@
           <a:p>
             <a:fld id="{CE5BC49A-E8DF-6544-B7B9-136C9E9A9884}" type="datetimeFigureOut">
               <a:rPr lang="en-US" smtClean="0"/>
-              <a:t>1/15/24</a:t>
+              <a:t>11/6/24</a:t>
             </a:fld>
             <a:endParaRPr lang="en-US"/>
           </a:p>
@@ -855,7 +855,7 @@
           <a:p>
             <a:fld id="{CE5BC49A-E8DF-6544-B7B9-136C9E9A9884}" type="datetimeFigureOut">
               <a:rPr lang="en-US" smtClean="0"/>
-              <a:t>1/15/24</a:t>
+              <a:t>11/6/24</a:t>
             </a:fld>
             <a:endParaRPr lang="en-US"/>
           </a:p>
@@ -1035,7 +1035,7 @@
           <a:p>
             <a:fld id="{CE5BC49A-E8DF-6544-B7B9-136C9E9A9884}" type="datetimeFigureOut">
               <a:rPr lang="en-US" smtClean="0"/>
-              <a:t>1/15/24</a:t>
+              <a:t>11/6/24</a:t>
             </a:fld>
             <a:endParaRPr lang="en-US"/>
           </a:p>
@@ -1205,7 +1205,7 @@
           <a:p>
             <a:fld id="{CE5BC49A-E8DF-6544-B7B9-136C9E9A9884}" type="datetimeFigureOut">
               <a:rPr lang="en-US" smtClean="0"/>
-              <a:t>1/15/24</a:t>
+              <a:t>11/6/24</a:t>
             </a:fld>
             <a:endParaRPr lang="en-US"/>
           </a:p>
@@ -1451,7 +1451,7 @@
           <a:p>
             <a:fld id="{CE5BC49A-E8DF-6544-B7B9-136C9E9A9884}" type="datetimeFigureOut">
               <a:rPr lang="en-US" smtClean="0"/>
-              <a:t>1/15/24</a:t>
+              <a:t>11/6/24</a:t>
             </a:fld>
             <a:endParaRPr lang="en-US"/>
           </a:p>
@@ -1683,7 +1683,7 @@
           <a:p>
             <a:fld id="{CE5BC49A-E8DF-6544-B7B9-136C9E9A9884}" type="datetimeFigureOut">
               <a:rPr lang="en-US" smtClean="0"/>
-              <a:t>1/15/24</a:t>
+              <a:t>11/6/24</a:t>
             </a:fld>
             <a:endParaRPr lang="en-US"/>
           </a:p>
@@ -2050,7 +2050,7 @@
           <a:p>
             <a:fld id="{CE5BC49A-E8DF-6544-B7B9-136C9E9A9884}" type="datetimeFigureOut">
               <a:rPr lang="en-US" smtClean="0"/>
-              <a:t>1/15/24</a:t>
+              <a:t>11/6/24</a:t>
             </a:fld>
             <a:endParaRPr lang="en-US"/>
           </a:p>
@@ -2168,7 +2168,7 @@
           <a:p>
             <a:fld id="{CE5BC49A-E8DF-6544-B7B9-136C9E9A9884}" type="datetimeFigureOut">
               <a:rPr lang="en-US" smtClean="0"/>
-              <a:t>1/15/24</a:t>
+              <a:t>11/6/24</a:t>
             </a:fld>
             <a:endParaRPr lang="en-US"/>
           </a:p>
@@ -2263,7 +2263,7 @@
           <a:p>
             <a:fld id="{CE5BC49A-E8DF-6544-B7B9-136C9E9A9884}" type="datetimeFigureOut">
               <a:rPr lang="en-US" smtClean="0"/>
-              <a:t>1/15/24</a:t>
+              <a:t>11/6/24</a:t>
             </a:fld>
             <a:endParaRPr lang="en-US"/>
           </a:p>
@@ -2540,7 +2540,7 @@
           <a:p>
             <a:fld id="{CE5BC49A-E8DF-6544-B7B9-136C9E9A9884}" type="datetimeFigureOut">
               <a:rPr lang="en-US" smtClean="0"/>
-              <a:t>1/15/24</a:t>
+              <a:t>11/6/24</a:t>
             </a:fld>
             <a:endParaRPr lang="en-US"/>
           </a:p>
@@ -2797,7 +2797,7 @@
           <a:p>
             <a:fld id="{CE5BC49A-E8DF-6544-B7B9-136C9E9A9884}" type="datetimeFigureOut">
               <a:rPr lang="en-US" smtClean="0"/>
-              <a:t>1/15/24</a:t>
+              <a:t>11/6/24</a:t>
             </a:fld>
             <a:endParaRPr lang="en-US"/>
           </a:p>
@@ -3010,7 +3010,7 @@
           <a:p>
             <a:fld id="{CE5BC49A-E8DF-6544-B7B9-136C9E9A9884}" type="datetimeFigureOut">
               <a:rPr lang="en-US" smtClean="0"/>
-              <a:t>1/15/24</a:t>
+              <a:t>11/6/24</a:t>
             </a:fld>
             <a:endParaRPr lang="en-US"/>
           </a:p>
@@ -6020,7 +6020,7 @@
         <p:spPr>
           <a:xfrm>
             <a:off x="448059" y="3732584"/>
-            <a:ext cx="1242586" cy="369332"/>
+            <a:ext cx="1242586" cy="323165"/>
           </a:xfrm>
           <a:prstGeom prst="rect">
             <a:avLst/>
@@ -6035,7 +6035,7 @@
           <a:p>
             <a:pPr algn="ctr"/>
             <a:r>
-              <a:rPr lang="en-US" dirty="0">
+              <a:rPr lang="en-US" sz="1500" dirty="0">
                 <a:latin typeface="Helvetica" pitchFamily="2" charset="0"/>
               </a:rPr>
               <a:t>inputs</a:t>
@@ -9156,8 +9156,8 @@
         </p:nvSpPr>
         <p:spPr>
           <a:xfrm>
-            <a:off x="2479528" y="6539202"/>
-            <a:ext cx="1788868" cy="646331"/>
+            <a:off x="2540592" y="6635685"/>
+            <a:ext cx="1788868" cy="553998"/>
           </a:xfrm>
           <a:prstGeom prst="rect">
             <a:avLst/>
@@ -9172,7 +9172,7 @@
           <a:p>
             <a:pPr algn="ctr"/>
             <a:r>
-              <a:rPr lang="en-US" dirty="0">
+              <a:rPr lang="en-US" sz="1500" dirty="0">
                 <a:latin typeface="Helvetica" pitchFamily="2" charset="0"/>
               </a:rPr>
               <a:t>conservative condition</a:t>
@@ -9196,8 +9196,8 @@
         </p:nvSpPr>
         <p:spPr>
           <a:xfrm>
-            <a:off x="7007647" y="6551319"/>
-            <a:ext cx="1107996" cy="646331"/>
+            <a:off x="7017877" y="6615413"/>
+            <a:ext cx="957313" cy="553998"/>
           </a:xfrm>
           <a:prstGeom prst="rect">
             <a:avLst/>
@@ -9212,7 +9212,7 @@
           <a:p>
             <a:pPr algn="ctr"/>
             <a:r>
-              <a:rPr lang="en-US" dirty="0">
+              <a:rPr lang="en-US" sz="1500" dirty="0">
                 <a:latin typeface="Helvetica" pitchFamily="2" charset="0"/>
               </a:rPr>
               <a:t>liberal </a:t>
@@ -9221,7 +9221,7 @@
           <a:p>
             <a:pPr algn="ctr"/>
             <a:r>
-              <a:rPr lang="en-US" dirty="0">
+              <a:rPr lang="en-US" sz="1500" dirty="0">
                 <a:latin typeface="Helvetica" pitchFamily="2" charset="0"/>
               </a:rPr>
               <a:t>condition</a:t>
@@ -9335,8 +9335,8 @@
         </p:nvSpPr>
         <p:spPr>
           <a:xfrm>
-            <a:off x="5082489" y="806088"/>
-            <a:ext cx="803365" cy="707886"/>
+            <a:off x="5076417" y="831365"/>
+            <a:ext cx="803365" cy="553998"/>
           </a:xfrm>
           <a:prstGeom prst="rect">
             <a:avLst/>
@@ -9351,10 +9351,10 @@
           <a:p>
             <a:pPr algn="ctr"/>
             <a:r>
-              <a:rPr lang="en-US" sz="4000" b="1" dirty="0">
+              <a:rPr lang="en-US" sz="3000" b="1" dirty="0">
                 <a:latin typeface="Helvetica" pitchFamily="2" charset="0"/>
               </a:rPr>
-              <a:t>A.</a:t>
+              <a:t>a.</a:t>
             </a:r>
           </a:p>
         </p:txBody>
@@ -9376,7 +9376,7 @@
         <p:spPr>
           <a:xfrm>
             <a:off x="448059" y="9893503"/>
-            <a:ext cx="1242586" cy="369332"/>
+            <a:ext cx="1242586" cy="323165"/>
           </a:xfrm>
           <a:prstGeom prst="rect">
             <a:avLst/>
@@ -9391,7 +9391,7 @@
           <a:p>
             <a:pPr algn="ctr"/>
             <a:r>
-              <a:rPr lang="en-US" dirty="0">
+              <a:rPr lang="en-US" sz="1500" dirty="0">
                 <a:latin typeface="Helvetica" pitchFamily="2" charset="0"/>
               </a:rPr>
               <a:t>outputs</a:t>
@@ -9821,8 +9821,8 @@
         </p:nvSpPr>
         <p:spPr>
           <a:xfrm>
-            <a:off x="11806313" y="785957"/>
-            <a:ext cx="803365" cy="707886"/>
+            <a:off x="11744403" y="827937"/>
+            <a:ext cx="803365" cy="553998"/>
           </a:xfrm>
           <a:prstGeom prst="rect">
             <a:avLst/>
@@ -9837,10 +9837,10 @@
           <a:p>
             <a:pPr algn="ctr"/>
             <a:r>
-              <a:rPr lang="en-US" sz="4000" b="1" dirty="0">
+              <a:rPr lang="en-US" sz="3000" b="1" dirty="0">
                 <a:latin typeface="Helvetica" pitchFamily="2" charset="0"/>
               </a:rPr>
-              <a:t>B.</a:t>
+              <a:t>b.</a:t>
             </a:r>
           </a:p>
         </p:txBody>
@@ -9861,8 +9861,8 @@
         </p:nvSpPr>
         <p:spPr>
           <a:xfrm>
-            <a:off x="9690180" y="6619966"/>
-            <a:ext cx="1544013" cy="646331"/>
+            <a:off x="9856204" y="6635685"/>
+            <a:ext cx="1319592" cy="553998"/>
           </a:xfrm>
           <a:prstGeom prst="rect">
             <a:avLst/>
@@ -9877,7 +9877,7 @@
           <a:p>
             <a:pPr algn="ctr"/>
             <a:r>
-              <a:rPr lang="en-US" dirty="0">
+              <a:rPr lang="en-US" sz="1500" dirty="0">
                 <a:latin typeface="Helvetica" pitchFamily="2" charset="0"/>
               </a:rPr>
               <a:t>conservative </a:t>
@@ -9886,7 +9886,7 @@
           <a:p>
             <a:pPr algn="ctr"/>
             <a:r>
-              <a:rPr lang="en-US" dirty="0">
+              <a:rPr lang="en-US" sz="1500" dirty="0">
                 <a:latin typeface="Helvetica" pitchFamily="2" charset="0"/>
               </a:rPr>
               <a:t>condition</a:t>
@@ -13425,7 +13425,7 @@
               <a:noFill/>
             </p:spPr>
             <p:txBody>
-              <a:bodyPr wrap="none" rtlCol="0">
+              <a:bodyPr wrap="square" rtlCol="0">
                 <a:spAutoFit/>
               </a:bodyPr>
               <a:lstStyle/>
@@ -17365,8 +17365,8 @@
         </p:nvSpPr>
         <p:spPr>
           <a:xfrm>
-            <a:off x="15621251" y="6635685"/>
-            <a:ext cx="1107996" cy="646331"/>
+            <a:off x="16005590" y="6635685"/>
+            <a:ext cx="957313" cy="553998"/>
           </a:xfrm>
           <a:prstGeom prst="rect">
             <a:avLst/>
@@ -17381,7 +17381,7 @@
           <a:p>
             <a:pPr algn="ctr"/>
             <a:r>
-              <a:rPr lang="en-US" dirty="0">
+              <a:rPr lang="en-US" sz="1500" dirty="0">
                 <a:latin typeface="Helvetica" pitchFamily="2" charset="0"/>
               </a:rPr>
               <a:t>liberal </a:t>
@@ -17390,7 +17390,7 @@
           <a:p>
             <a:pPr algn="ctr"/>
             <a:r>
-              <a:rPr lang="en-US" dirty="0">
+              <a:rPr lang="en-US" sz="1500" dirty="0">
                 <a:latin typeface="Helvetica" pitchFamily="2" charset="0"/>
               </a:rPr>
               <a:t>condition</a:t>
@@ -17458,8 +17458,8 @@
         </p:nvSpPr>
         <p:spPr>
           <a:xfrm>
-            <a:off x="17556079" y="806088"/>
-            <a:ext cx="803365" cy="707886"/>
+            <a:off x="17516630" y="827937"/>
+            <a:ext cx="803365" cy="553998"/>
           </a:xfrm>
           <a:prstGeom prst="rect">
             <a:avLst/>
@@ -17474,16 +17474,16 @@
           <a:p>
             <a:pPr algn="ctr"/>
             <a:r>
-              <a:rPr lang="en-US" sz="4000" b="1" dirty="0">
+              <a:rPr lang="en-US" sz="3000" b="1" dirty="0">
                 <a:latin typeface="Helvetica" pitchFamily="2" charset="0"/>
               </a:rPr>
-              <a:t>C.</a:t>
+              <a:t>c.</a:t>
             </a:r>
           </a:p>
         </p:txBody>
       </p:sp>
-      <mc:AlternateContent xmlns:mc="http://schemas.openxmlformats.org/markup-compatibility/2006">
-        <mc:Choice xmlns:a14="http://schemas.microsoft.com/office/drawing/2010/main" Requires="a14">
+      <mc:AlternateContent xmlns:mc="http://schemas.openxmlformats.org/markup-compatibility/2006" xmlns:a14="http://schemas.microsoft.com/office/drawing/2010/main">
+        <mc:Choice Requires="a14">
           <p:sp>
             <p:nvSpPr>
               <p:cNvPr id="39" name="TextBox 38">
@@ -17555,7 +17555,7 @@
             </p:txBody>
           </p:sp>
         </mc:Choice>
-        <mc:Fallback>
+        <mc:Fallback xmlns="">
           <p:sp>
             <p:nvSpPr>
               <p:cNvPr id="39" name="TextBox 38">
@@ -17600,8 +17600,8 @@
           </p:sp>
         </mc:Fallback>
       </mc:AlternateContent>
-      <mc:AlternateContent xmlns:mc="http://schemas.openxmlformats.org/markup-compatibility/2006">
-        <mc:Choice xmlns:a14="http://schemas.microsoft.com/office/drawing/2010/main" Requires="a14">
+      <mc:AlternateContent xmlns:mc="http://schemas.openxmlformats.org/markup-compatibility/2006" xmlns:a14="http://schemas.microsoft.com/office/drawing/2010/main">
+        <mc:Choice Requires="a14">
           <p:sp>
             <p:nvSpPr>
               <p:cNvPr id="40" name="TextBox 39">
@@ -17688,7 +17688,7 @@
             </p:txBody>
           </p:sp>
         </mc:Choice>
-        <mc:Fallback>
+        <mc:Fallback xmlns="">
           <p:sp>
             <p:nvSpPr>
               <p:cNvPr id="40" name="TextBox 39">
